--- a/PR.pptx
+++ b/PR.pptx
@@ -5,18 +5,17 @@
     <p:sldMasterId id="2147483648" r:id="rId1"/>
   </p:sldMasterIdLst>
   <p:notesMasterIdLst>
-    <p:notesMasterId r:id="rId11"/>
+    <p:notesMasterId r:id="rId10"/>
   </p:notesMasterIdLst>
   <p:sldIdLst>
-    <p:sldId id="257" r:id="rId2"/>
-    <p:sldId id="258" r:id="rId3"/>
-    <p:sldId id="259" r:id="rId4"/>
-    <p:sldId id="260" r:id="rId5"/>
-    <p:sldId id="261" r:id="rId6"/>
-    <p:sldId id="262" r:id="rId7"/>
-    <p:sldId id="263" r:id="rId8"/>
-    <p:sldId id="264" r:id="rId9"/>
-    <p:sldId id="266" r:id="rId10"/>
+    <p:sldId id="258" r:id="rId2"/>
+    <p:sldId id="259" r:id="rId3"/>
+    <p:sldId id="260" r:id="rId4"/>
+    <p:sldId id="261" r:id="rId5"/>
+    <p:sldId id="262" r:id="rId6"/>
+    <p:sldId id="263" r:id="rId7"/>
+    <p:sldId id="264" r:id="rId8"/>
+    <p:sldId id="266" r:id="rId9"/>
   </p:sldIdLst>
   <p:sldSz cx="9144000" cy="6858000" type="screen4x3"/>
   <p:notesSz cx="6858000" cy="9144000"/>
@@ -541,7 +540,7 @@
           <a:p>
             <a:fld id="{A0E10FC5-E1C2-411F-9515-774D99AC42A7}" type="slidenum">
               <a:rPr lang="ru-RU" smtClean="0"/>
-              <a:t>3</a:t>
+              <a:t>2</a:t>
             </a:fld>
             <a:endParaRPr lang="ru-RU"/>
           </a:p>
@@ -799,7 +798,7 @@
           <a:p>
             <a:fld id="{A0E10FC5-E1C2-411F-9515-774D99AC42A7}" type="slidenum">
               <a:rPr lang="ru-RU" smtClean="0"/>
-              <a:t>6</a:t>
+              <a:t>5</a:t>
             </a:fld>
             <a:endParaRPr lang="ru-RU"/>
           </a:p>
@@ -3808,234 +3807,6 @@
       </p:grpSpPr>
       <p:sp>
         <p:nvSpPr>
-          <p:cNvPr id="4" name="Прямоугольник 3">
-            <a:hlinkClick r:id="" action="ppaction://hlinkshowjump?jump=nextslide"/>
-          </p:cNvPr>
-          <p:cNvSpPr/>
-          <p:nvPr/>
-        </p:nvSpPr>
-        <p:spPr>
-          <a:xfrm>
-            <a:off x="7452320" y="6093296"/>
-            <a:ext cx="1584176" cy="648072"/>
-          </a:xfrm>
-          <a:prstGeom prst="rect">
-            <a:avLst/>
-          </a:prstGeom>
-          <a:solidFill>
-            <a:schemeClr val="accent1">
-              <a:alpha val="0"/>
-            </a:schemeClr>
-          </a:solidFill>
-          <a:ln w="50800"/>
-        </p:spPr>
-        <p:style>
-          <a:lnRef idx="2">
-            <a:schemeClr val="accent1">
-              <a:shade val="50000"/>
-            </a:schemeClr>
-          </a:lnRef>
-          <a:fillRef idx="1">
-            <a:schemeClr val="accent1"/>
-          </a:fillRef>
-          <a:effectRef idx="0">
-            <a:schemeClr val="accent1"/>
-          </a:effectRef>
-          <a:fontRef idx="minor">
-            <a:schemeClr val="lt1"/>
-          </a:fontRef>
-        </p:style>
-        <p:txBody>
-          <a:bodyPr rtlCol="0" anchor="ctr"/>
-          <a:lstStyle/>
-          <a:p>
-            <a:pPr algn="ctr"/>
-            <a:endParaRPr lang="ru-RU"/>
-          </a:p>
-        </p:txBody>
-      </p:sp>
-      <p:sp>
-        <p:nvSpPr>
-          <p:cNvPr id="5" name="Прямоугольник 4"/>
-          <p:cNvSpPr/>
-          <p:nvPr/>
-        </p:nvSpPr>
-        <p:spPr>
-          <a:xfrm>
-            <a:off x="7452320" y="6066601"/>
-            <a:ext cx="1488288" cy="707886"/>
-          </a:xfrm>
-          <a:prstGeom prst="rect">
-            <a:avLst/>
-          </a:prstGeom>
-          <a:noFill/>
-        </p:spPr>
-        <p:txBody>
-          <a:bodyPr wrap="square" lIns="91440" tIns="45720" rIns="91440" bIns="45720">
-            <a:spAutoFit/>
-          </a:bodyPr>
-          <a:lstStyle/>
-          <a:p>
-            <a:pPr algn="ctr"/>
-            <a:r>
-              <a:rPr lang="en-US" sz="4000" b="1" cap="none" spc="0" dirty="0" smtClean="0">
-                <a:ln w="31550" cmpd="sng">
-                  <a:gradFill>
-                    <a:gsLst>
-                      <a:gs pos="25000">
-                        <a:schemeClr val="accent1">
-                          <a:shade val="25000"/>
-                          <a:satMod val="190000"/>
-                        </a:schemeClr>
-                      </a:gs>
-                      <a:gs pos="80000">
-                        <a:schemeClr val="accent1">
-                          <a:tint val="75000"/>
-                          <a:satMod val="190000"/>
-                        </a:schemeClr>
-                      </a:gs>
-                    </a:gsLst>
-                    <a:lin ang="5400000"/>
-                  </a:gradFill>
-                  <a:prstDash val="solid"/>
-                </a:ln>
-                <a:solidFill>
-                  <a:srgbClr val="FFFFFF"/>
-                </a:solidFill>
-                <a:effectLst>
-                  <a:outerShdw blurRad="41275" dist="12700" dir="12000000" algn="tl" rotWithShape="0">
-                    <a:srgbClr val="000000">
-                      <a:alpha val="40000"/>
-                    </a:srgbClr>
-                  </a:outerShdw>
-                </a:effectLst>
-                <a:hlinkClick r:id="" action="ppaction://hlinkshowjump?jump=nextslide"/>
-              </a:rPr>
-              <a:t>NEXT</a:t>
-            </a:r>
-            <a:endParaRPr lang="ru-RU" sz="4000" b="1" cap="none" spc="0" dirty="0">
-              <a:ln w="31550" cmpd="sng">
-                <a:gradFill>
-                  <a:gsLst>
-                    <a:gs pos="25000">
-                      <a:schemeClr val="accent1">
-                        <a:shade val="25000"/>
-                        <a:satMod val="190000"/>
-                      </a:schemeClr>
-                    </a:gs>
-                    <a:gs pos="80000">
-                      <a:schemeClr val="accent1">
-                        <a:tint val="75000"/>
-                        <a:satMod val="190000"/>
-                      </a:schemeClr>
-                    </a:gs>
-                  </a:gsLst>
-                  <a:lin ang="5400000"/>
-                </a:gradFill>
-                <a:prstDash val="solid"/>
-              </a:ln>
-              <a:solidFill>
-                <a:srgbClr val="FFFFFF"/>
-              </a:solidFill>
-              <a:effectLst>
-                <a:outerShdw blurRad="41275" dist="12700" dir="12000000" algn="tl" rotWithShape="0">
-                  <a:srgbClr val="000000">
-                    <a:alpha val="40000"/>
-                  </a:srgbClr>
-                </a:outerShdw>
-              </a:effectLst>
-            </a:endParaRPr>
-          </a:p>
-        </p:txBody>
-      </p:sp>
-      <p:pic>
-        <p:nvPicPr>
-          <p:cNvPr id="1026" name="Picture 2" descr="http://ipad.intertat.ru/media/k2/items/cache/ad4edb9b3e14de77f200d55e5873a5d6_XL.jpg"/>
-          <p:cNvPicPr>
-            <a:picLocks noChangeAspect="1" noChangeArrowheads="1"/>
-          </p:cNvPicPr>
-          <p:nvPr/>
-        </p:nvPicPr>
-        <p:blipFill>
-          <a:blip r:embed="rId2">
-            <a:extLst>
-              <a:ext uri="{28A0092B-C50C-407E-A947-70E740481C1C}">
-                <a14:useLocalDpi xmlns:a14="http://schemas.microsoft.com/office/drawing/2010/main" val="0"/>
-              </a:ext>
-            </a:extLst>
-          </a:blip>
-          <a:srcRect/>
-          <a:stretch>
-            <a:fillRect/>
-          </a:stretch>
-        </p:blipFill>
-        <p:spPr bwMode="auto">
-          <a:xfrm>
-            <a:off x="368108" y="476672"/>
-            <a:ext cx="8572500" cy="4819650"/>
-          </a:xfrm>
-          <a:prstGeom prst="rect">
-            <a:avLst/>
-          </a:prstGeom>
-          <a:noFill/>
-          <a:extLst>
-            <a:ext uri="{909E8E84-426E-40DD-AFC4-6F175D3DCCD1}">
-              <a14:hiddenFill xmlns:a14="http://schemas.microsoft.com/office/drawing/2010/main">
-                <a:solidFill>
-                  <a:srgbClr val="FFFFFF"/>
-                </a:solidFill>
-              </a14:hiddenFill>
-            </a:ext>
-          </a:extLst>
-        </p:spPr>
-      </p:pic>
-    </p:spTree>
-    <p:extLst>
-      <p:ext uri="{BB962C8B-B14F-4D97-AF65-F5344CB8AC3E}">
-        <p14:creationId xmlns:p14="http://schemas.microsoft.com/office/powerpoint/2010/main" val="2945071598"/>
-      </p:ext>
-    </p:extLst>
-  </p:cSld>
-  <p:clrMapOvr>
-    <a:masterClrMapping/>
-  </p:clrMapOvr>
-  <mc:AlternateContent xmlns:mc="http://schemas.openxmlformats.org/markup-compatibility/2006" xmlns:p14="http://schemas.microsoft.com/office/powerpoint/2010/main">
-    <mc:Choice Requires="p14">
-      <p:transition spd="slow" p14:dur="2000" advClick="0"/>
-    </mc:Choice>
-    <mc:Fallback xmlns="">
-      <p:transition spd="slow" advClick="0"/>
-    </mc:Fallback>
-  </mc:AlternateContent>
-  <p:timing>
-    <p:tnLst>
-      <p:par>
-        <p:cTn id="1" dur="indefinite" restart="never" nodeType="tmRoot"/>
-      </p:par>
-    </p:tnLst>
-  </p:timing>
-</p:sld>
-</file>
-
-<file path=ppt/slides/slide2.xml><?xml version="1.0" encoding="utf-8"?>
-<p:sld xmlns:a="http://schemas.openxmlformats.org/drawingml/2006/main" xmlns:r="http://schemas.openxmlformats.org/officeDocument/2006/relationships" xmlns:p="http://schemas.openxmlformats.org/presentationml/2006/main">
-  <p:cSld>
-    <p:spTree>
-      <p:nvGrpSpPr>
-        <p:cNvPr id="1" name=""/>
-        <p:cNvGrpSpPr/>
-        <p:nvPr/>
-      </p:nvGrpSpPr>
-      <p:grpSpPr>
-        <a:xfrm>
-          <a:off x="0" y="0"/>
-          <a:ext cx="0" cy="0"/>
-          <a:chOff x="0" y="0"/>
-          <a:chExt cx="0" cy="0"/>
-        </a:xfrm>
-      </p:grpSpPr>
-      <p:sp>
-        <p:nvSpPr>
           <p:cNvPr id="2" name="Заголовок 1"/>
           <p:cNvSpPr>
             <a:spLocks noGrp="1"/>
@@ -4123,7 +3894,7 @@
 </p:sld>
 </file>
 
-<file path=ppt/slides/slide3.xml><?xml version="1.0" encoding="utf-8"?>
+<file path=ppt/slides/slide2.xml><?xml version="1.0" encoding="utf-8"?>
 <p:sld xmlns:a="http://schemas.openxmlformats.org/drawingml/2006/main" xmlns:r="http://schemas.openxmlformats.org/officeDocument/2006/relationships" xmlns:p="http://schemas.openxmlformats.org/presentationml/2006/main">
   <p:cSld>
     <p:spTree>
@@ -4351,7 +4122,7 @@
 </p:sld>
 </file>
 
-<file path=ppt/slides/slide4.xml><?xml version="1.0" encoding="utf-8"?>
+<file path=ppt/slides/slide3.xml><?xml version="1.0" encoding="utf-8"?>
 <p:sld xmlns:a="http://schemas.openxmlformats.org/drawingml/2006/main" xmlns:r="http://schemas.openxmlformats.org/officeDocument/2006/relationships" xmlns:p="http://schemas.openxmlformats.org/presentationml/2006/main">
   <p:cSld>
     <p:spTree>
@@ -4664,7 +4435,7 @@
 </p:sld>
 </file>
 
-<file path=ppt/slides/slide5.xml><?xml version="1.0" encoding="utf-8"?>
+<file path=ppt/slides/slide4.xml><?xml version="1.0" encoding="utf-8"?>
 <p:sld xmlns:a="http://schemas.openxmlformats.org/drawingml/2006/main" xmlns:r="http://schemas.openxmlformats.org/officeDocument/2006/relationships" xmlns:p="http://schemas.openxmlformats.org/presentationml/2006/main">
   <p:cSld>
     <p:spTree>
@@ -4977,7 +4748,7 @@
 </p:sld>
 </file>
 
-<file path=ppt/slides/slide6.xml><?xml version="1.0" encoding="utf-8"?>
+<file path=ppt/slides/slide5.xml><?xml version="1.0" encoding="utf-8"?>
 <p:sld xmlns:a="http://schemas.openxmlformats.org/drawingml/2006/main" xmlns:r="http://schemas.openxmlformats.org/officeDocument/2006/relationships" xmlns:p="http://schemas.openxmlformats.org/presentationml/2006/main">
   <p:cSld>
     <p:spTree>
@@ -5251,7 +5022,7 @@
 </p:sld>
 </file>
 
-<file path=ppt/slides/slide7.xml><?xml version="1.0" encoding="utf-8"?>
+<file path=ppt/slides/slide6.xml><?xml version="1.0" encoding="utf-8"?>
 <p:sld xmlns:a="http://schemas.openxmlformats.org/drawingml/2006/main" xmlns:r="http://schemas.openxmlformats.org/officeDocument/2006/relationships" xmlns:p="http://schemas.openxmlformats.org/presentationml/2006/main">
   <p:cSld>
     <p:spTree>
@@ -5573,7 +5344,7 @@
 </p:sld>
 </file>
 
-<file path=ppt/slides/slide8.xml><?xml version="1.0" encoding="utf-8"?>
+<file path=ppt/slides/slide7.xml><?xml version="1.0" encoding="utf-8"?>
 <p:sld xmlns:a="http://schemas.openxmlformats.org/drawingml/2006/main" xmlns:r="http://schemas.openxmlformats.org/officeDocument/2006/relationships" xmlns:p="http://schemas.openxmlformats.org/presentationml/2006/main">
   <p:cSld>
     <p:spTree>
@@ -6040,7 +5811,7 @@
 </p:sld>
 </file>
 
-<file path=ppt/slides/slide9.xml><?xml version="1.0" encoding="utf-8"?>
+<file path=ppt/slides/slide8.xml><?xml version="1.0" encoding="utf-8"?>
 <p:sld xmlns:a="http://schemas.openxmlformats.org/drawingml/2006/main" xmlns:r="http://schemas.openxmlformats.org/officeDocument/2006/relationships" xmlns:p="http://schemas.openxmlformats.org/presentationml/2006/main">
   <p:cSld>
     <p:spTree>
